--- a/TENSOR IOT HACKATON.pptx
+++ b/TENSOR IOT HACKATON.pptx
@@ -5,16 +5,19 @@
     <p:sldMasterId id="2147483684" r:id="rId4"/>
   </p:sldMasterIdLst>
   <p:notesMasterIdLst>
-    <p:notesMasterId r:id="rId9"/>
+    <p:notesMasterId r:id="rId12"/>
   </p:notesMasterIdLst>
   <p:handoutMasterIdLst>
-    <p:handoutMasterId r:id="rId10"/>
+    <p:handoutMasterId r:id="rId13"/>
   </p:handoutMasterIdLst>
   <p:sldIdLst>
     <p:sldId id="257" r:id="rId5"/>
     <p:sldId id="317" r:id="rId6"/>
-    <p:sldId id="389" r:id="rId7"/>
-    <p:sldId id="277" r:id="rId8"/>
+    <p:sldId id="391" r:id="rId7"/>
+    <p:sldId id="392" r:id="rId8"/>
+    <p:sldId id="393" r:id="rId9"/>
+    <p:sldId id="389" r:id="rId10"/>
+    <p:sldId id="277" r:id="rId11"/>
   </p:sldIdLst>
   <p:sldSz cx="12192000" cy="6858000"/>
   <p:notesSz cx="6858000" cy="9144000"/>
@@ -14565,10 +14568,10 @@
       </p:grpSpPr>
       <p:sp>
         <p:nvSpPr>
-          <p:cNvPr id="2" name="Title 1">
-            <a:extLst>
-              <a:ext uri="{FF2B5EF4-FFF2-40B4-BE49-F238E27FC236}">
-                <a16:creationId xmlns:a16="http://schemas.microsoft.com/office/drawing/2014/main" id="{0046426E-F6F6-4A7C-9181-8C3090996261}"/>
+          <p:cNvPr id="22" name="Title 21">
+            <a:extLst>
+              <a:ext uri="{FF2B5EF4-FFF2-40B4-BE49-F238E27FC236}">
+                <a16:creationId xmlns:a16="http://schemas.microsoft.com/office/drawing/2014/main" id="{F8FAEED9-1ECD-45F9-87A0-9394BAEABB79}"/>
               </a:ext>
             </a:extLst>
           </p:cNvPr>
@@ -14576,13 +14579,13 @@
             <a:spLocks noGrp="1"/>
           </p:cNvSpPr>
           <p:nvPr>
-            <p:ph type="title"/>
+            <p:ph type="ctrTitle"/>
           </p:nvPr>
         </p:nvSpPr>
         <p:spPr>
           <a:xfrm>
-            <a:off x="550864" y="549275"/>
-            <a:ext cx="4944162" cy="1650461"/>
+            <a:off x="550863" y="549275"/>
+            <a:ext cx="5437187" cy="1736725"/>
           </a:xfrm>
         </p:spPr>
         <p:txBody>
@@ -14590,20 +14593,18 @@
           <a:lstStyle/>
           <a:p>
             <a:r>
-              <a:rPr lang="en-US" dirty="0">
-                <a:latin typeface="Agency FB" panose="020B0503020202020204" pitchFamily="34" charset="0"/>
-              </a:rPr>
-              <a:t>Technologies Used</a:t>
+              <a:rPr lang="en-US" dirty="0"/>
+              <a:t>Future Features</a:t>
             </a:r>
           </a:p>
         </p:txBody>
       </p:sp>
       <p:sp>
         <p:nvSpPr>
-          <p:cNvPr id="3" name="Content Placeholder 2">
-            <a:extLst>
-              <a:ext uri="{FF2B5EF4-FFF2-40B4-BE49-F238E27FC236}">
-                <a16:creationId xmlns:a16="http://schemas.microsoft.com/office/drawing/2014/main" id="{D3B60D6F-4D0F-4D33-B2A7-159C8583FF00}"/>
+          <p:cNvPr id="23" name="Subtitle 22">
+            <a:extLst>
+              <a:ext uri="{FF2B5EF4-FFF2-40B4-BE49-F238E27FC236}">
+                <a16:creationId xmlns:a16="http://schemas.microsoft.com/office/drawing/2014/main" id="{8E5E4638-9BCB-4C2E-914F-CC868E2020D5}"/>
               </a:ext>
             </a:extLst>
           </p:cNvPr>
@@ -14611,13 +14612,13 @@
             <a:spLocks noGrp="1"/>
           </p:cNvSpPr>
           <p:nvPr>
-            <p:ph idx="1"/>
+            <p:ph type="subTitle" idx="1"/>
           </p:nvPr>
         </p:nvSpPr>
         <p:spPr>
           <a:xfrm>
-            <a:off x="550863" y="2677306"/>
-            <a:ext cx="3565525" cy="3415519"/>
+            <a:off x="550862" y="2848829"/>
+            <a:ext cx="5437187" cy="2880359"/>
           </a:xfrm>
         </p:spPr>
         <p:txBody>
@@ -14629,10 +14630,9 @@
               <a:buChar char="•"/>
             </a:pPr>
             <a:r>
-              <a:rPr lang="en-US" dirty="0" err="1"/>
-              <a:t>Javascript</a:t>
-            </a:r>
-            <a:endParaRPr lang="en-US" dirty="0"/>
+              <a:rPr lang="en-US" dirty="0"/>
+              <a:t>Embed AI Chatbot application using Flask</a:t>
+            </a:r>
           </a:p>
           <a:p>
             <a:pPr marL="342900" indent="-342900">
@@ -14641,7 +14641,7 @@
             </a:pPr>
             <a:r>
               <a:rPr lang="en-US" dirty="0"/>
-              <a:t>Phyton</a:t>
+              <a:t>Fully Implement User Authentication with Google Firebase</a:t>
             </a:r>
           </a:p>
           <a:p>
@@ -14651,7 +14651,7 @@
             </a:pPr>
             <a:r>
               <a:rPr lang="en-US" dirty="0"/>
-              <a:t>API’s</a:t>
+              <a:t>Implement Taxes portal with Payments</a:t>
             </a:r>
           </a:p>
           <a:p>
@@ -14661,105 +14661,20 @@
             </a:pPr>
             <a:r>
               <a:rPr lang="en-US" dirty="0"/>
-              <a:t>HTML</a:t>
-            </a:r>
-          </a:p>
-          <a:p>
-            <a:pPr marL="342900" indent="-342900">
-              <a:buFont typeface="Arial" panose="020B0604020202020204" pitchFamily="34" charset="0"/>
-              <a:buChar char="•"/>
-            </a:pPr>
-            <a:r>
-              <a:rPr lang="en-US" dirty="0"/>
-              <a:t>CSS</a:t>
-            </a:r>
-          </a:p>
-          <a:p>
-            <a:pPr marL="342900" indent="-342900">
-              <a:buFont typeface="Arial" panose="020B0604020202020204" pitchFamily="34" charset="0"/>
-              <a:buChar char="•"/>
-            </a:pPr>
-            <a:r>
-              <a:rPr lang="en-US" dirty="0"/>
-              <a:t>Bootstrap</a:t>
-            </a:r>
+              <a:t>Implement Web 3.0 Features</a:t>
+            </a:r>
+          </a:p>
+          <a:p>
+            <a:endParaRPr lang="en-US" dirty="0"/>
           </a:p>
         </p:txBody>
       </p:sp>
       <p:pic>
         <p:nvPicPr>
-          <p:cNvPr id="8" name="Picture Placeholder 7" descr="Digital Data">
-            <a:extLst>
-              <a:ext uri="{FF2B5EF4-FFF2-40B4-BE49-F238E27FC236}">
-                <a16:creationId xmlns:a16="http://schemas.microsoft.com/office/drawing/2014/main" id="{06D2324F-3B7B-45EF-9584-C8EADD2C8C0B}"/>
-              </a:ext>
-            </a:extLst>
-          </p:cNvPr>
-          <p:cNvPicPr>
-            <a:picLocks noGrp="1" noChangeAspect="1"/>
-          </p:cNvPicPr>
-          <p:nvPr>
-            <p:ph type="pic" sz="quarter" idx="13"/>
-          </p:nvPr>
-        </p:nvPicPr>
-        <p:blipFill rotWithShape="1">
-          <a:blip r:embed="rId2" cstate="screen">
-            <a:extLst>
-              <a:ext uri="{28A0092B-C50C-407E-A947-70E740481C1C}">
-                <a14:useLocalDpi xmlns:a14="http://schemas.microsoft.com/office/drawing/2010/main" val="0"/>
-              </a:ext>
-            </a:extLst>
-          </a:blip>
-          <a:srcRect/>
-          <a:stretch/>
-        </p:blipFill>
-        <p:spPr>
-          <a:xfrm>
-            <a:off x="5208928" y="1596771"/>
-            <a:ext cx="3448558" cy="3448558"/>
-          </a:xfrm>
-        </p:spPr>
-      </p:pic>
-      <p:pic>
-        <p:nvPicPr>
-          <p:cNvPr id="10" name="Picture Placeholder 9" descr="Data Points ">
-            <a:extLst>
-              <a:ext uri="{FF2B5EF4-FFF2-40B4-BE49-F238E27FC236}">
-                <a16:creationId xmlns:a16="http://schemas.microsoft.com/office/drawing/2014/main" id="{71F862F9-0E8A-4DB9-8083-1C3AA6E5D777}"/>
-              </a:ext>
-            </a:extLst>
-          </p:cNvPr>
-          <p:cNvPicPr>
-            <a:picLocks noGrp="1" noChangeAspect="1"/>
-          </p:cNvPicPr>
-          <p:nvPr>
-            <p:ph type="pic" sz="quarter" idx="14"/>
-          </p:nvPr>
-        </p:nvPicPr>
-        <p:blipFill rotWithShape="1">
-          <a:blip r:embed="rId3" cstate="screen">
-            <a:extLst>
-              <a:ext uri="{28A0092B-C50C-407E-A947-70E740481C1C}">
-                <a14:useLocalDpi xmlns:a14="http://schemas.microsoft.com/office/drawing/2010/main" val="0"/>
-              </a:ext>
-            </a:extLst>
-          </a:blip>
-          <a:srcRect/>
-          <a:stretch/>
-        </p:blipFill>
-        <p:spPr>
-          <a:xfrm>
-            <a:off x="8918575" y="596392"/>
-            <a:ext cx="2263776" cy="2263776"/>
-          </a:xfrm>
-        </p:spPr>
-      </p:pic>
-      <p:pic>
-        <p:nvPicPr>
-          <p:cNvPr id="12" name="Picture Placeholder 11" descr="Data Background">
-            <a:extLst>
-              <a:ext uri="{FF2B5EF4-FFF2-40B4-BE49-F238E27FC236}">
-                <a16:creationId xmlns:a16="http://schemas.microsoft.com/office/drawing/2014/main" id="{A63F39B9-0715-40B5-8ECB-9B983F99C690}"/>
+          <p:cNvPr id="27" name="Picture Placeholder 26" descr="Data Points Digital background">
+            <a:extLst>
+              <a:ext uri="{FF2B5EF4-FFF2-40B4-BE49-F238E27FC236}">
+                <a16:creationId xmlns:a16="http://schemas.microsoft.com/office/drawing/2014/main" id="{9E660784-34E2-4CDA-926A-DDD6AAF35046}"/>
               </a:ext>
             </a:extLst>
           </p:cNvPr>
@@ -14771,7 +14686,7 @@
           </p:nvPr>
         </p:nvPicPr>
         <p:blipFill rotWithShape="1">
-          <a:blip r:embed="rId4" cstate="screen">
+          <a:blip r:embed="rId2" cstate="screen">
             <a:extLst>
               <a:ext uri="{28A0092B-C50C-407E-A947-70E740481C1C}">
                 <a14:useLocalDpi xmlns:a14="http://schemas.microsoft.com/office/drawing/2010/main" val="0"/>
@@ -14783,17 +14698,51 @@
         </p:blipFill>
         <p:spPr>
           <a:xfrm>
-            <a:off x="9091612" y="3324733"/>
-            <a:ext cx="2936876" cy="2936876"/>
+            <a:off x="6556248" y="548640"/>
+            <a:ext cx="5084064" cy="2880360"/>
           </a:xfrm>
         </p:spPr>
       </p:pic>
-      <p:sp>
-        <p:nvSpPr>
-          <p:cNvPr id="15" name="Slide Number Placeholder 14">
-            <a:extLst>
-              <a:ext uri="{FF2B5EF4-FFF2-40B4-BE49-F238E27FC236}">
-                <a16:creationId xmlns:a16="http://schemas.microsoft.com/office/drawing/2014/main" id="{3B199C97-F175-437D-8311-DB662925C063}"/>
+      <p:pic>
+        <p:nvPicPr>
+          <p:cNvPr id="33" name="Picture Placeholder 32" descr="Data Points Digital background">
+            <a:extLst>
+              <a:ext uri="{FF2B5EF4-FFF2-40B4-BE49-F238E27FC236}">
+                <a16:creationId xmlns:a16="http://schemas.microsoft.com/office/drawing/2014/main" id="{48106962-23C6-4DFE-BB3A-E5FFF03F38CE}"/>
+              </a:ext>
+            </a:extLst>
+          </p:cNvPr>
+          <p:cNvPicPr>
+            <a:picLocks noGrp="1" noChangeAspect="1"/>
+          </p:cNvPicPr>
+          <p:nvPr>
+            <p:ph type="pic" sz="quarter" idx="16"/>
+          </p:nvPr>
+        </p:nvPicPr>
+        <p:blipFill rotWithShape="1">
+          <a:blip r:embed="rId3" cstate="screen">
+            <a:extLst>
+              <a:ext uri="{28A0092B-C50C-407E-A947-70E740481C1C}">
+                <a14:useLocalDpi xmlns:a14="http://schemas.microsoft.com/office/drawing/2010/main" val="0"/>
+              </a:ext>
+            </a:extLst>
+          </a:blip>
+          <a:srcRect/>
+          <a:stretch/>
+        </p:blipFill>
+        <p:spPr>
+          <a:xfrm>
+            <a:off x="6556248" y="3429000"/>
+            <a:ext cx="5084064" cy="2880360"/>
+          </a:xfrm>
+        </p:spPr>
+      </p:pic>
+      <p:sp>
+        <p:nvSpPr>
+          <p:cNvPr id="6" name="Slide Number Placeholder 5">
+            <a:extLst>
+              <a:ext uri="{FF2B5EF4-FFF2-40B4-BE49-F238E27FC236}">
+                <a16:creationId xmlns:a16="http://schemas.microsoft.com/office/drawing/2014/main" id="{36E60F23-FB58-4EF8-82FD-E86CED25FDD4}"/>
               </a:ext>
             </a:extLst>
           </p:cNvPr>
@@ -14826,7 +14775,7 @@
     </p:spTree>
     <p:extLst>
       <p:ext uri="{BB962C8B-B14F-4D97-AF65-F5344CB8AC3E}">
-        <p14:creationId xmlns:p14="http://schemas.microsoft.com/office/powerpoint/2010/main" val="2313234867"/>
+        <p14:creationId xmlns:p14="http://schemas.microsoft.com/office/powerpoint/2010/main" val="3247798845"/>
       </p:ext>
     </p:extLst>
   </p:cSld>
@@ -14855,6 +14804,474 @@
       </p:grpSpPr>
       <p:sp>
         <p:nvSpPr>
+          <p:cNvPr id="6" name="Slide Number Placeholder 5">
+            <a:extLst>
+              <a:ext uri="{FF2B5EF4-FFF2-40B4-BE49-F238E27FC236}">
+                <a16:creationId xmlns:a16="http://schemas.microsoft.com/office/drawing/2014/main" id="{6E682DB3-B596-1EA1-912F-D96BFD8F5B12}"/>
+              </a:ext>
+            </a:extLst>
+          </p:cNvPr>
+          <p:cNvSpPr>
+            <a:spLocks noGrp="1"/>
+          </p:cNvSpPr>
+          <p:nvPr>
+            <p:ph type="sldNum" sz="quarter" idx="12"/>
+          </p:nvPr>
+        </p:nvSpPr>
+        <p:spPr/>
+        <p:txBody>
+          <a:bodyPr/>
+          <a:lstStyle/>
+          <a:p>
+            <a:fld id="{DBA1B0FB-D917-4C8C-928F-313BD683BF39}" type="slidenum">
+              <a:rPr lang="en-US" smtClean="0"/>
+              <a:t>4</a:t>
+            </a:fld>
+            <a:endParaRPr lang="en-US"/>
+          </a:p>
+        </p:txBody>
+      </p:sp>
+      <p:pic>
+        <p:nvPicPr>
+          <p:cNvPr id="8" name="Picture 7" descr="Graphical user interface&#10;&#10;Description automatically generated">
+            <a:extLst>
+              <a:ext uri="{FF2B5EF4-FFF2-40B4-BE49-F238E27FC236}">
+                <a16:creationId xmlns:a16="http://schemas.microsoft.com/office/drawing/2014/main" id="{37C6BA1F-56A5-DEB7-F629-B72F9727FBAA}"/>
+              </a:ext>
+            </a:extLst>
+          </p:cNvPr>
+          <p:cNvPicPr>
+            <a:picLocks noChangeAspect="1"/>
+          </p:cNvPicPr>
+          <p:nvPr/>
+        </p:nvPicPr>
+        <p:blipFill>
+          <a:blip r:embed="rId2"/>
+          <a:stretch>
+            <a:fillRect/>
+          </a:stretch>
+        </p:blipFill>
+        <p:spPr>
+          <a:xfrm>
+            <a:off x="0" y="0"/>
+            <a:ext cx="12192000" cy="6858000"/>
+          </a:xfrm>
+          <a:prstGeom prst="rect">
+            <a:avLst/>
+          </a:prstGeom>
+        </p:spPr>
+      </p:pic>
+    </p:spTree>
+    <p:extLst>
+      <p:ext uri="{BB962C8B-B14F-4D97-AF65-F5344CB8AC3E}">
+        <p14:creationId xmlns:p14="http://schemas.microsoft.com/office/powerpoint/2010/main" val="1520501004"/>
+      </p:ext>
+    </p:extLst>
+  </p:cSld>
+  <p:clrMapOvr>
+    <a:masterClrMapping/>
+  </p:clrMapOvr>
+</p:sld>
+</file>
+
+<file path=ppt/slides/slide5.xml><?xml version="1.0" encoding="utf-8"?>
+<p:sld xmlns:a="http://schemas.openxmlformats.org/drawingml/2006/main" xmlns:r="http://schemas.openxmlformats.org/officeDocument/2006/relationships" xmlns:p="http://schemas.openxmlformats.org/presentationml/2006/main">
+  <p:cSld>
+    <p:spTree>
+      <p:nvGrpSpPr>
+        <p:cNvPr id="1" name=""/>
+        <p:cNvGrpSpPr/>
+        <p:nvPr/>
+      </p:nvGrpSpPr>
+      <p:grpSpPr>
+        <a:xfrm>
+          <a:off x="0" y="0"/>
+          <a:ext cx="0" cy="0"/>
+          <a:chOff x="0" y="0"/>
+          <a:chExt cx="0" cy="0"/>
+        </a:xfrm>
+      </p:grpSpPr>
+      <p:sp>
+        <p:nvSpPr>
+          <p:cNvPr id="6" name="Slide Number Placeholder 5">
+            <a:extLst>
+              <a:ext uri="{FF2B5EF4-FFF2-40B4-BE49-F238E27FC236}">
+                <a16:creationId xmlns:a16="http://schemas.microsoft.com/office/drawing/2014/main" id="{3A0C851F-93B4-6AE2-E3AC-E6FE36DD3571}"/>
+              </a:ext>
+            </a:extLst>
+          </p:cNvPr>
+          <p:cNvSpPr>
+            <a:spLocks noGrp="1"/>
+          </p:cNvSpPr>
+          <p:nvPr>
+            <p:ph type="sldNum" sz="quarter" idx="12"/>
+          </p:nvPr>
+        </p:nvSpPr>
+        <p:spPr/>
+        <p:txBody>
+          <a:bodyPr/>
+          <a:lstStyle/>
+          <a:p>
+            <a:fld id="{DBA1B0FB-D917-4C8C-928F-313BD683BF39}" type="slidenum">
+              <a:rPr lang="en-US" smtClean="0"/>
+              <a:t>5</a:t>
+            </a:fld>
+            <a:endParaRPr lang="en-US"/>
+          </a:p>
+        </p:txBody>
+      </p:sp>
+      <p:pic>
+        <p:nvPicPr>
+          <p:cNvPr id="8" name="Picture 7" descr="Graphical user interface&#10;&#10;Description automatically generated">
+            <a:extLst>
+              <a:ext uri="{FF2B5EF4-FFF2-40B4-BE49-F238E27FC236}">
+                <a16:creationId xmlns:a16="http://schemas.microsoft.com/office/drawing/2014/main" id="{FFC95198-460D-A2C1-5A56-37481A785625}"/>
+              </a:ext>
+            </a:extLst>
+          </p:cNvPr>
+          <p:cNvPicPr>
+            <a:picLocks noChangeAspect="1"/>
+          </p:cNvPicPr>
+          <p:nvPr/>
+        </p:nvPicPr>
+        <p:blipFill>
+          <a:blip r:embed="rId2"/>
+          <a:stretch>
+            <a:fillRect/>
+          </a:stretch>
+        </p:blipFill>
+        <p:spPr>
+          <a:xfrm>
+            <a:off x="0" y="0"/>
+            <a:ext cx="12192000" cy="6858000"/>
+          </a:xfrm>
+          <a:prstGeom prst="rect">
+            <a:avLst/>
+          </a:prstGeom>
+        </p:spPr>
+      </p:pic>
+    </p:spTree>
+    <p:extLst>
+      <p:ext uri="{BB962C8B-B14F-4D97-AF65-F5344CB8AC3E}">
+        <p14:creationId xmlns:p14="http://schemas.microsoft.com/office/powerpoint/2010/main" val="1166995084"/>
+      </p:ext>
+    </p:extLst>
+  </p:cSld>
+  <p:clrMapOvr>
+    <a:masterClrMapping/>
+  </p:clrMapOvr>
+</p:sld>
+</file>
+
+<file path=ppt/slides/slide6.xml><?xml version="1.0" encoding="utf-8"?>
+<p:sld xmlns:a="http://schemas.openxmlformats.org/drawingml/2006/main" xmlns:r="http://schemas.openxmlformats.org/officeDocument/2006/relationships" xmlns:p="http://schemas.openxmlformats.org/presentationml/2006/main">
+  <p:cSld>
+    <p:spTree>
+      <p:nvGrpSpPr>
+        <p:cNvPr id="1" name=""/>
+        <p:cNvGrpSpPr/>
+        <p:nvPr/>
+      </p:nvGrpSpPr>
+      <p:grpSpPr>
+        <a:xfrm>
+          <a:off x="0" y="0"/>
+          <a:ext cx="0" cy="0"/>
+          <a:chOff x="0" y="0"/>
+          <a:chExt cx="0" cy="0"/>
+        </a:xfrm>
+      </p:grpSpPr>
+      <p:sp>
+        <p:nvSpPr>
+          <p:cNvPr id="2" name="Title 1">
+            <a:extLst>
+              <a:ext uri="{FF2B5EF4-FFF2-40B4-BE49-F238E27FC236}">
+                <a16:creationId xmlns:a16="http://schemas.microsoft.com/office/drawing/2014/main" id="{0046426E-F6F6-4A7C-9181-8C3090996261}"/>
+              </a:ext>
+            </a:extLst>
+          </p:cNvPr>
+          <p:cNvSpPr>
+            <a:spLocks noGrp="1"/>
+          </p:cNvSpPr>
+          <p:nvPr>
+            <p:ph type="title"/>
+          </p:nvPr>
+        </p:nvSpPr>
+        <p:spPr>
+          <a:xfrm>
+            <a:off x="550864" y="549275"/>
+            <a:ext cx="4944162" cy="1650461"/>
+          </a:xfrm>
+        </p:spPr>
+        <p:txBody>
+          <a:bodyPr/>
+          <a:lstStyle/>
+          <a:p>
+            <a:r>
+              <a:rPr lang="en-US" dirty="0">
+                <a:latin typeface="Agency FB" panose="020B0503020202020204" pitchFamily="34" charset="0"/>
+              </a:rPr>
+              <a:t>Technologies Used</a:t>
+            </a:r>
+          </a:p>
+        </p:txBody>
+      </p:sp>
+      <p:sp>
+        <p:nvSpPr>
+          <p:cNvPr id="3" name="Content Placeholder 2">
+            <a:extLst>
+              <a:ext uri="{FF2B5EF4-FFF2-40B4-BE49-F238E27FC236}">
+                <a16:creationId xmlns:a16="http://schemas.microsoft.com/office/drawing/2014/main" id="{D3B60D6F-4D0F-4D33-B2A7-159C8583FF00}"/>
+              </a:ext>
+            </a:extLst>
+          </p:cNvPr>
+          <p:cNvSpPr>
+            <a:spLocks noGrp="1"/>
+          </p:cNvSpPr>
+          <p:nvPr>
+            <p:ph idx="1"/>
+          </p:nvPr>
+        </p:nvSpPr>
+        <p:spPr>
+          <a:xfrm>
+            <a:off x="550863" y="2677306"/>
+            <a:ext cx="3565525" cy="3415519"/>
+          </a:xfrm>
+        </p:spPr>
+        <p:txBody>
+          <a:bodyPr/>
+          <a:lstStyle/>
+          <a:p>
+            <a:pPr marL="342900" indent="-342900">
+              <a:buFont typeface="Arial" panose="020B0604020202020204" pitchFamily="34" charset="0"/>
+              <a:buChar char="•"/>
+            </a:pPr>
+            <a:r>
+              <a:rPr lang="en-US" dirty="0" err="1"/>
+              <a:t>Javascript</a:t>
+            </a:r>
+            <a:endParaRPr lang="en-US" dirty="0"/>
+          </a:p>
+          <a:p>
+            <a:pPr marL="342900" indent="-342900">
+              <a:buFont typeface="Arial" panose="020B0604020202020204" pitchFamily="34" charset="0"/>
+              <a:buChar char="•"/>
+            </a:pPr>
+            <a:r>
+              <a:rPr lang="en-US" dirty="0"/>
+              <a:t>Phyton</a:t>
+            </a:r>
+          </a:p>
+          <a:p>
+            <a:pPr marL="342900" indent="-342900">
+              <a:buFont typeface="Arial" panose="020B0604020202020204" pitchFamily="34" charset="0"/>
+              <a:buChar char="•"/>
+            </a:pPr>
+            <a:r>
+              <a:rPr lang="en-US" dirty="0"/>
+              <a:t>API’s</a:t>
+            </a:r>
+          </a:p>
+          <a:p>
+            <a:pPr marL="342900" indent="-342900">
+              <a:buFont typeface="Arial" panose="020B0604020202020204" pitchFamily="34" charset="0"/>
+              <a:buChar char="•"/>
+            </a:pPr>
+            <a:r>
+              <a:rPr lang="en-US" dirty="0"/>
+              <a:t>HTML</a:t>
+            </a:r>
+          </a:p>
+          <a:p>
+            <a:pPr marL="342900" indent="-342900">
+              <a:buFont typeface="Arial" panose="020B0604020202020204" pitchFamily="34" charset="0"/>
+              <a:buChar char="•"/>
+            </a:pPr>
+            <a:r>
+              <a:rPr lang="en-US" dirty="0"/>
+              <a:t>CSS</a:t>
+            </a:r>
+          </a:p>
+          <a:p>
+            <a:pPr marL="342900" indent="-342900">
+              <a:buFont typeface="Arial" panose="020B0604020202020204" pitchFamily="34" charset="0"/>
+              <a:buChar char="•"/>
+            </a:pPr>
+            <a:r>
+              <a:rPr lang="en-US" dirty="0"/>
+              <a:t>Bootstrap</a:t>
+            </a:r>
+          </a:p>
+        </p:txBody>
+      </p:sp>
+      <p:pic>
+        <p:nvPicPr>
+          <p:cNvPr id="8" name="Picture Placeholder 7" descr="Digital Data">
+            <a:extLst>
+              <a:ext uri="{FF2B5EF4-FFF2-40B4-BE49-F238E27FC236}">
+                <a16:creationId xmlns:a16="http://schemas.microsoft.com/office/drawing/2014/main" id="{06D2324F-3B7B-45EF-9584-C8EADD2C8C0B}"/>
+              </a:ext>
+            </a:extLst>
+          </p:cNvPr>
+          <p:cNvPicPr>
+            <a:picLocks noGrp="1" noChangeAspect="1"/>
+          </p:cNvPicPr>
+          <p:nvPr>
+            <p:ph type="pic" sz="quarter" idx="13"/>
+          </p:nvPr>
+        </p:nvPicPr>
+        <p:blipFill rotWithShape="1">
+          <a:blip r:embed="rId2" cstate="screen">
+            <a:extLst>
+              <a:ext uri="{28A0092B-C50C-407E-A947-70E740481C1C}">
+                <a14:useLocalDpi xmlns:a14="http://schemas.microsoft.com/office/drawing/2010/main" val="0"/>
+              </a:ext>
+            </a:extLst>
+          </a:blip>
+          <a:srcRect/>
+          <a:stretch/>
+        </p:blipFill>
+        <p:spPr>
+          <a:xfrm>
+            <a:off x="5208928" y="1596771"/>
+            <a:ext cx="3448558" cy="3448558"/>
+          </a:xfrm>
+        </p:spPr>
+      </p:pic>
+      <p:pic>
+        <p:nvPicPr>
+          <p:cNvPr id="10" name="Picture Placeholder 9" descr="Data Points ">
+            <a:extLst>
+              <a:ext uri="{FF2B5EF4-FFF2-40B4-BE49-F238E27FC236}">
+                <a16:creationId xmlns:a16="http://schemas.microsoft.com/office/drawing/2014/main" id="{71F862F9-0E8A-4DB9-8083-1C3AA6E5D777}"/>
+              </a:ext>
+            </a:extLst>
+          </p:cNvPr>
+          <p:cNvPicPr>
+            <a:picLocks noGrp="1" noChangeAspect="1"/>
+          </p:cNvPicPr>
+          <p:nvPr>
+            <p:ph type="pic" sz="quarter" idx="14"/>
+          </p:nvPr>
+        </p:nvPicPr>
+        <p:blipFill rotWithShape="1">
+          <a:blip r:embed="rId3" cstate="screen">
+            <a:extLst>
+              <a:ext uri="{28A0092B-C50C-407E-A947-70E740481C1C}">
+                <a14:useLocalDpi xmlns:a14="http://schemas.microsoft.com/office/drawing/2010/main" val="0"/>
+              </a:ext>
+            </a:extLst>
+          </a:blip>
+          <a:srcRect/>
+          <a:stretch/>
+        </p:blipFill>
+        <p:spPr>
+          <a:xfrm>
+            <a:off x="8918575" y="596392"/>
+            <a:ext cx="2263776" cy="2263776"/>
+          </a:xfrm>
+        </p:spPr>
+      </p:pic>
+      <p:pic>
+        <p:nvPicPr>
+          <p:cNvPr id="12" name="Picture Placeholder 11" descr="Data Background">
+            <a:extLst>
+              <a:ext uri="{FF2B5EF4-FFF2-40B4-BE49-F238E27FC236}">
+                <a16:creationId xmlns:a16="http://schemas.microsoft.com/office/drawing/2014/main" id="{A63F39B9-0715-40B5-8ECB-9B983F99C690}"/>
+              </a:ext>
+            </a:extLst>
+          </p:cNvPr>
+          <p:cNvPicPr>
+            <a:picLocks noGrp="1" noChangeAspect="1"/>
+          </p:cNvPicPr>
+          <p:nvPr>
+            <p:ph type="pic" sz="quarter" idx="15"/>
+          </p:nvPr>
+        </p:nvPicPr>
+        <p:blipFill rotWithShape="1">
+          <a:blip r:embed="rId4" cstate="screen">
+            <a:extLst>
+              <a:ext uri="{28A0092B-C50C-407E-A947-70E740481C1C}">
+                <a14:useLocalDpi xmlns:a14="http://schemas.microsoft.com/office/drawing/2010/main" val="0"/>
+              </a:ext>
+            </a:extLst>
+          </a:blip>
+          <a:srcRect/>
+          <a:stretch/>
+        </p:blipFill>
+        <p:spPr>
+          <a:xfrm>
+            <a:off x="9091612" y="3324733"/>
+            <a:ext cx="2936876" cy="2936876"/>
+          </a:xfrm>
+        </p:spPr>
+      </p:pic>
+      <p:sp>
+        <p:nvSpPr>
+          <p:cNvPr id="15" name="Slide Number Placeholder 14">
+            <a:extLst>
+              <a:ext uri="{FF2B5EF4-FFF2-40B4-BE49-F238E27FC236}">
+                <a16:creationId xmlns:a16="http://schemas.microsoft.com/office/drawing/2014/main" id="{3B199C97-F175-437D-8311-DB662925C063}"/>
+              </a:ext>
+            </a:extLst>
+          </p:cNvPr>
+          <p:cNvSpPr>
+            <a:spLocks noGrp="1"/>
+          </p:cNvSpPr>
+          <p:nvPr>
+            <p:ph type="sldNum" sz="quarter" idx="12"/>
+          </p:nvPr>
+        </p:nvSpPr>
+        <p:spPr>
+          <a:xfrm>
+            <a:off x="9948863" y="6507212"/>
+            <a:ext cx="1692274" cy="153888"/>
+          </a:xfrm>
+        </p:spPr>
+        <p:txBody>
+          <a:bodyPr/>
+          <a:lstStyle/>
+          <a:p>
+            <a:fld id="{DBA1B0FB-D917-4C8C-928F-313BD683BF39}" type="slidenum">
+              <a:rPr lang="en-US" smtClean="0"/>
+              <a:pPr/>
+              <a:t>6</a:t>
+            </a:fld>
+            <a:endParaRPr lang="en-US"/>
+          </a:p>
+        </p:txBody>
+      </p:sp>
+    </p:spTree>
+    <p:extLst>
+      <p:ext uri="{BB962C8B-B14F-4D97-AF65-F5344CB8AC3E}">
+        <p14:creationId xmlns:p14="http://schemas.microsoft.com/office/powerpoint/2010/main" val="2313234867"/>
+      </p:ext>
+    </p:extLst>
+  </p:cSld>
+  <p:clrMapOvr>
+    <a:masterClrMapping/>
+  </p:clrMapOvr>
+</p:sld>
+</file>
+
+<file path=ppt/slides/slide7.xml><?xml version="1.0" encoding="utf-8"?>
+<p:sld xmlns:a="http://schemas.openxmlformats.org/drawingml/2006/main" xmlns:r="http://schemas.openxmlformats.org/officeDocument/2006/relationships" xmlns:p="http://schemas.openxmlformats.org/presentationml/2006/main">
+  <p:cSld>
+    <p:spTree>
+      <p:nvGrpSpPr>
+        <p:cNvPr id="1" name=""/>
+        <p:cNvGrpSpPr/>
+        <p:nvPr/>
+      </p:nvGrpSpPr>
+      <p:grpSpPr>
+        <a:xfrm>
+          <a:off x="0" y="0"/>
+          <a:ext cx="0" cy="0"/>
+          <a:chOff x="0" y="0"/>
+          <a:chExt cx="0" cy="0"/>
+        </a:xfrm>
+      </p:grpSpPr>
+      <p:sp>
+        <p:nvSpPr>
           <p:cNvPr id="7" name="Title 6">
             <a:extLst>
               <a:ext uri="{FF2B5EF4-FFF2-40B4-BE49-F238E27FC236}">
@@ -14886,7 +15303,7 @@
             </a:pPr>
             <a:r>
               <a:rPr lang="en-US" dirty="0"/>
-              <a:t>Thanks!</a:t>
+              <a:t>Thank You!</a:t>
             </a:r>
             <a:br>
               <a:rPr lang="en-US" dirty="0"/>
@@ -14967,7 +15384,7 @@
             <a:fld id="{DBA1B0FB-D917-4C8C-928F-313BD683BF39}" type="slidenum">
               <a:rPr lang="en-US" smtClean="0"/>
               <a:pPr/>
-              <a:t>4</a:t>
+              <a:t>7</a:t>
             </a:fld>
             <a:endParaRPr lang="en-US"/>
           </a:p>
@@ -15797,15 +16214,6 @@
 </file>
 
 <file path=customXml/item2.xml><?xml version="1.0" encoding="utf-8"?>
-<?mso-contentType ?>
-<FormTemplates xmlns="http://schemas.microsoft.com/sharepoint/v3/contenttype/forms">
-  <Display>DocumentLibraryForm</Display>
-  <Edit>DocumentLibraryForm</Edit>
-  <New>DocumentLibraryForm</New>
-</FormTemplates>
-</file>
-
-<file path=customXml/item3.xml><?xml version="1.0" encoding="utf-8"?>
 <ct:contentTypeSchema xmlns:ct="http://schemas.microsoft.com/office/2006/metadata/contentType" xmlns:ma="http://schemas.microsoft.com/office/2006/metadata/properties/metaAttributes" ct:_="" ma:_="" ma:contentTypeName="Document" ma:contentTypeID="0x01010079F111ED35F8CC479449609E8A0923A6" ma:contentTypeVersion="18" ma:contentTypeDescription="Create a new document." ma:contentTypeScope="" ma:versionID="22a266b9fa9a230c5a512669d8b298c3">
   <xsd:schema xmlns:xsd="http://www.w3.org/2001/XMLSchema" xmlns:xs="http://www.w3.org/2001/XMLSchema" xmlns:p="http://schemas.microsoft.com/office/2006/metadata/properties" xmlns:ns1="http://schemas.microsoft.com/sharepoint/v3" xmlns:ns2="71af3243-3dd4-4a8d-8c0d-dd76da1f02a5" xmlns:ns3="16c05727-aa75-4e4a-9b5f-8a80a1165891" xmlns:ns4="230e9df3-be65-4c73-a93b-d1236ebd677e" targetNamespace="http://schemas.microsoft.com/office/2006/metadata/properties" ma:root="true" ma:fieldsID="eddc33fff6b14141ee5c74a0d29ea6a1" ns1:_="" ns2:_="" ns3:_="" ns4:_="">
     <xsd:import namespace="http://schemas.microsoft.com/sharepoint/v3"/>
@@ -16081,6 +16489,15 @@
 </ct:contentTypeSchema>
 </file>
 
+<file path=customXml/item3.xml><?xml version="1.0" encoding="utf-8"?>
+<?mso-contentType ?>
+<FormTemplates xmlns="http://schemas.microsoft.com/sharepoint/v3/contenttype/forms">
+  <Display>DocumentLibraryForm</Display>
+  <Edit>DocumentLibraryForm</Edit>
+  <New>DocumentLibraryForm</New>
+</FormTemplates>
+</file>
+
 <file path=customXml/itemProps1.xml><?xml version="1.0" encoding="utf-8"?>
 <ds:datastoreItem xmlns:ds="http://schemas.openxmlformats.org/officeDocument/2006/customXml" ds:itemID="{50811A92-D464-4AC4-A396-BA73B10CEEAC}">
   <ds:schemaRefs>
@@ -16094,14 +16511,6 @@
 </file>
 
 <file path=customXml/itemProps2.xml><?xml version="1.0" encoding="utf-8"?>
-<ds:datastoreItem xmlns:ds="http://schemas.openxmlformats.org/officeDocument/2006/customXml" ds:itemID="{904751AB-E840-446F-8D49-E697067EC887}">
-  <ds:schemaRefs>
-    <ds:schemaRef ds:uri="http://schemas.microsoft.com/sharepoint/v3/contenttype/forms"/>
-  </ds:schemaRefs>
-</ds:datastoreItem>
-</file>
-
-<file path=customXml/itemProps3.xml><?xml version="1.0" encoding="utf-8"?>
 <ds:datastoreItem xmlns:ds="http://schemas.openxmlformats.org/officeDocument/2006/customXml" ds:itemID="{DE4876F9-7AE1-498D-B8FE-1E3AD703D2AF}">
   <ds:schemaRefs>
     <ds:schemaRef ds:uri="http://schemas.microsoft.com/office/2006/metadata/contentType"/>
@@ -16122,6 +16531,14 @@
 </ds:datastoreItem>
 </file>
 
+<file path=customXml/itemProps3.xml><?xml version="1.0" encoding="utf-8"?>
+<ds:datastoreItem xmlns:ds="http://schemas.openxmlformats.org/officeDocument/2006/customXml" ds:itemID="{904751AB-E840-446F-8D49-E697067EC887}">
+  <ds:schemaRefs>
+    <ds:schemaRef ds:uri="http://schemas.microsoft.com/sharepoint/v3/contenttype/forms"/>
+  </ds:schemaRefs>
+</ds:datastoreItem>
+</file>
+
 <file path=docMetadata/LabelInfo.xml><?xml version="1.0" encoding="utf-8"?>
 <clbl:labelList xmlns:clbl="http://schemas.microsoft.com/office/2020/mipLabelMetadata">
   <clbl:label id="{f42aa342-8706-4288-bd11-ebb85995028c}" enabled="1" method="Standard" siteId="{72f988bf-86f1-41af-91ab-2d7cd011db47}" contentBits="0" removed="0"/>
